--- a/presentations/Updates 1-24-21.pptx
+++ b/presentations/Updates 1-24-21.pptx
@@ -5,7 +5,7 @@
     <p:sldMasterId id="2147483648" r:id="rId1"/>
   </p:sldMasterIdLst>
   <p:notesMasterIdLst>
-    <p:notesMasterId r:id="rId43"/>
+    <p:notesMasterId r:id="rId44"/>
   </p:notesMasterIdLst>
   <p:sldIdLst>
     <p:sldId id="256" r:id="rId2"/>
@@ -49,6 +49,7 @@
     <p:sldId id="314" r:id="rId40"/>
     <p:sldId id="279" r:id="rId41"/>
     <p:sldId id="284" r:id="rId42"/>
+    <p:sldId id="315" r:id="rId43"/>
   </p:sldIdLst>
   <p:sldSz cx="12192000" cy="6858000"/>
   <p:notesSz cx="6858000" cy="9144000"/>
@@ -4316,7 +4317,7 @@
           <a:p>
             <a:fld id="{8FB244FF-1FFB-514F-A5D9-580791D347E8}" type="datetimeFigureOut">
               <a:rPr lang="en-US" smtClean="0"/>
-              <a:t>1/24/21</a:t>
+              <a:t>2/25/21</a:t>
             </a:fld>
             <a:endParaRPr lang="en-US"/>
           </a:p>
@@ -5693,7 +5694,7 @@
           <a:p>
             <a:fld id="{8C0AA0B7-332D-774C-A1C2-95B9048EE1A4}" type="datetimeFigureOut">
               <a:rPr lang="en-US" smtClean="0"/>
-              <a:t>1/24/21</a:t>
+              <a:t>2/25/21</a:t>
             </a:fld>
             <a:endParaRPr lang="en-US"/>
           </a:p>
@@ -5891,7 +5892,7 @@
           <a:p>
             <a:fld id="{8C0AA0B7-332D-774C-A1C2-95B9048EE1A4}" type="datetimeFigureOut">
               <a:rPr lang="en-US" smtClean="0"/>
-              <a:t>1/24/21</a:t>
+              <a:t>2/25/21</a:t>
             </a:fld>
             <a:endParaRPr lang="en-US"/>
           </a:p>
@@ -6099,7 +6100,7 @@
           <a:p>
             <a:fld id="{8C0AA0B7-332D-774C-A1C2-95B9048EE1A4}" type="datetimeFigureOut">
               <a:rPr lang="en-US" smtClean="0"/>
-              <a:t>1/24/21</a:t>
+              <a:t>2/25/21</a:t>
             </a:fld>
             <a:endParaRPr lang="en-US"/>
           </a:p>
@@ -6297,7 +6298,7 @@
           <a:p>
             <a:fld id="{8C0AA0B7-332D-774C-A1C2-95B9048EE1A4}" type="datetimeFigureOut">
               <a:rPr lang="en-US" smtClean="0"/>
-              <a:t>1/24/21</a:t>
+              <a:t>2/25/21</a:t>
             </a:fld>
             <a:endParaRPr lang="en-US"/>
           </a:p>
@@ -6572,7 +6573,7 @@
           <a:p>
             <a:fld id="{8C0AA0B7-332D-774C-A1C2-95B9048EE1A4}" type="datetimeFigureOut">
               <a:rPr lang="en-US" smtClean="0"/>
-              <a:t>1/24/21</a:t>
+              <a:t>2/25/21</a:t>
             </a:fld>
             <a:endParaRPr lang="en-US"/>
           </a:p>
@@ -6837,7 +6838,7 @@
           <a:p>
             <a:fld id="{8C0AA0B7-332D-774C-A1C2-95B9048EE1A4}" type="datetimeFigureOut">
               <a:rPr lang="en-US" smtClean="0"/>
-              <a:t>1/24/21</a:t>
+              <a:t>2/25/21</a:t>
             </a:fld>
             <a:endParaRPr lang="en-US"/>
           </a:p>
@@ -7249,7 +7250,7 @@
           <a:p>
             <a:fld id="{8C0AA0B7-332D-774C-A1C2-95B9048EE1A4}" type="datetimeFigureOut">
               <a:rPr lang="en-US" smtClean="0"/>
-              <a:t>1/24/21</a:t>
+              <a:t>2/25/21</a:t>
             </a:fld>
             <a:endParaRPr lang="en-US"/>
           </a:p>
@@ -7390,7 +7391,7 @@
           <a:p>
             <a:fld id="{8C0AA0B7-332D-774C-A1C2-95B9048EE1A4}" type="datetimeFigureOut">
               <a:rPr lang="en-US" smtClean="0"/>
-              <a:t>1/24/21</a:t>
+              <a:t>2/25/21</a:t>
             </a:fld>
             <a:endParaRPr lang="en-US"/>
           </a:p>
@@ -7503,7 +7504,7 @@
           <a:p>
             <a:fld id="{8C0AA0B7-332D-774C-A1C2-95B9048EE1A4}" type="datetimeFigureOut">
               <a:rPr lang="en-US" smtClean="0"/>
-              <a:t>1/24/21</a:t>
+              <a:t>2/25/21</a:t>
             </a:fld>
             <a:endParaRPr lang="en-US"/>
           </a:p>
@@ -7814,7 +7815,7 @@
           <a:p>
             <a:fld id="{8C0AA0B7-332D-774C-A1C2-95B9048EE1A4}" type="datetimeFigureOut">
               <a:rPr lang="en-US" smtClean="0"/>
-              <a:t>1/24/21</a:t>
+              <a:t>2/25/21</a:t>
             </a:fld>
             <a:endParaRPr lang="en-US"/>
           </a:p>
@@ -8102,7 +8103,7 @@
           <a:p>
             <a:fld id="{8C0AA0B7-332D-774C-A1C2-95B9048EE1A4}" type="datetimeFigureOut">
               <a:rPr lang="en-US" smtClean="0"/>
-              <a:t>1/24/21</a:t>
+              <a:t>2/25/21</a:t>
             </a:fld>
             <a:endParaRPr lang="en-US"/>
           </a:p>
@@ -8343,7 +8344,7 @@
           <a:p>
             <a:fld id="{8C0AA0B7-332D-774C-A1C2-95B9048EE1A4}" type="datetimeFigureOut">
               <a:rPr lang="en-US" smtClean="0"/>
-              <a:t>1/24/21</a:t>
+              <a:t>2/25/21</a:t>
             </a:fld>
             <a:endParaRPr lang="en-US"/>
           </a:p>
@@ -37081,6 +37082,261 @@
     <p:extLst>
       <p:ext uri="{BB962C8B-B14F-4D97-AF65-F5344CB8AC3E}">
         <p14:creationId xmlns:p14="http://schemas.microsoft.com/office/powerpoint/2010/main" val="827956193"/>
+      </p:ext>
+    </p:extLst>
+  </p:cSld>
+  <p:clrMapOvr>
+    <a:masterClrMapping/>
+  </p:clrMapOvr>
+</p:sld>
+</file>
+
+<file path=ppt/slides/slide42.xml><?xml version="1.0" encoding="utf-8"?>
+<p:sld xmlns:a="http://schemas.openxmlformats.org/drawingml/2006/main" xmlns:r="http://schemas.openxmlformats.org/officeDocument/2006/relationships" xmlns:p="http://schemas.openxmlformats.org/presentationml/2006/main">
+  <p:cSld>
+    <p:spTree>
+      <p:nvGrpSpPr>
+        <p:cNvPr id="1" name=""/>
+        <p:cNvGrpSpPr/>
+        <p:nvPr/>
+      </p:nvGrpSpPr>
+      <p:grpSpPr>
+        <a:xfrm>
+          <a:off x="0" y="0"/>
+          <a:ext cx="0" cy="0"/>
+          <a:chOff x="0" y="0"/>
+          <a:chExt cx="0" cy="0"/>
+        </a:xfrm>
+      </p:grpSpPr>
+      <p:sp>
+        <p:nvSpPr>
+          <p:cNvPr id="2" name="Title 1">
+            <a:extLst>
+              <a:ext uri="{FF2B5EF4-FFF2-40B4-BE49-F238E27FC236}">
+                <a16:creationId xmlns:a16="http://schemas.microsoft.com/office/drawing/2014/main" id="{49AB99C6-7744-3D45-B6ED-6E6DF4F96DFC}"/>
+              </a:ext>
+            </a:extLst>
+          </p:cNvPr>
+          <p:cNvSpPr>
+            <a:spLocks noGrp="1"/>
+          </p:cNvSpPr>
+          <p:nvPr>
+            <p:ph type="title"/>
+          </p:nvPr>
+        </p:nvSpPr>
+        <p:spPr/>
+        <p:txBody>
+          <a:bodyPr/>
+          <a:lstStyle/>
+          <a:p>
+            <a:endParaRPr lang="en-US"/>
+          </a:p>
+        </p:txBody>
+      </p:sp>
+      <p:pic>
+        <p:nvPicPr>
+          <p:cNvPr id="5" name="Content Placeholder 4">
+            <a:extLst>
+              <a:ext uri="{FF2B5EF4-FFF2-40B4-BE49-F238E27FC236}">
+                <a16:creationId xmlns:a16="http://schemas.microsoft.com/office/drawing/2014/main" id="{05697C46-0E7E-054C-95C0-89620011E881}"/>
+              </a:ext>
+            </a:extLst>
+          </p:cNvPr>
+          <p:cNvPicPr>
+            <a:picLocks noGrp="1" noChangeAspect="1"/>
+          </p:cNvPicPr>
+          <p:nvPr>
+            <p:ph idx="1"/>
+          </p:nvPr>
+        </p:nvPicPr>
+        <p:blipFill>
+          <a:blip r:embed="rId2"/>
+          <a:stretch>
+            <a:fillRect/>
+          </a:stretch>
+        </p:blipFill>
+        <p:spPr>
+          <a:xfrm>
+            <a:off x="3911600" y="2718594"/>
+            <a:ext cx="4368800" cy="2565400"/>
+          </a:xfrm>
+        </p:spPr>
+      </p:pic>
+      <p:sp>
+        <p:nvSpPr>
+          <p:cNvPr id="6" name="TextBox 5">
+            <a:extLst>
+              <a:ext uri="{FF2B5EF4-FFF2-40B4-BE49-F238E27FC236}">
+                <a16:creationId xmlns:a16="http://schemas.microsoft.com/office/drawing/2014/main" id="{14B394AA-8C54-804F-8189-B2BE0A4D52C3}"/>
+              </a:ext>
+            </a:extLst>
+          </p:cNvPr>
+          <p:cNvSpPr txBox="1"/>
+          <p:nvPr/>
+        </p:nvSpPr>
+        <p:spPr>
+          <a:xfrm rot="470506">
+            <a:off x="5626139" y="4111750"/>
+            <a:ext cx="655116" cy="276999"/>
+          </a:xfrm>
+          <a:prstGeom prst="rect">
+            <a:avLst/>
+          </a:prstGeom>
+          <a:noFill/>
+        </p:spPr>
+        <p:txBody>
+          <a:bodyPr wrap="none" rtlCol="0">
+            <a:spAutoFit/>
+          </a:bodyPr>
+          <a:lstStyle/>
+          <a:p>
+            <a:r>
+              <a:rPr lang="en-US" sz="1200" b="1" dirty="0"/>
+              <a:t>Tail bits</a:t>
+            </a:r>
+          </a:p>
+        </p:txBody>
+      </p:sp>
+      <p:sp>
+        <p:nvSpPr>
+          <p:cNvPr id="7" name="TextBox 6">
+            <a:extLst>
+              <a:ext uri="{FF2B5EF4-FFF2-40B4-BE49-F238E27FC236}">
+                <a16:creationId xmlns:a16="http://schemas.microsoft.com/office/drawing/2014/main" id="{8694DEB4-1768-B547-9FBE-2C67926C3410}"/>
+              </a:ext>
+            </a:extLst>
+          </p:cNvPr>
+          <p:cNvSpPr txBox="1"/>
+          <p:nvPr/>
+        </p:nvSpPr>
+        <p:spPr>
+          <a:xfrm>
+            <a:off x="5746931" y="3152001"/>
+            <a:ext cx="990753" cy="461665"/>
+          </a:xfrm>
+          <a:prstGeom prst="rect">
+            <a:avLst/>
+          </a:prstGeom>
+          <a:noFill/>
+        </p:spPr>
+        <p:txBody>
+          <a:bodyPr wrap="square" rtlCol="0">
+            <a:spAutoFit/>
+          </a:bodyPr>
+          <a:lstStyle/>
+          <a:p>
+            <a:pPr algn="ctr"/>
+            <a:r>
+              <a:rPr lang="en-US" sz="1200" b="1" dirty="0"/>
+              <a:t>&gt;250 pulses required</a:t>
+            </a:r>
+          </a:p>
+        </p:txBody>
+      </p:sp>
+      <p:sp>
+        <p:nvSpPr>
+          <p:cNvPr id="10" name="Rounded Rectangle 9">
+            <a:extLst>
+              <a:ext uri="{FF2B5EF4-FFF2-40B4-BE49-F238E27FC236}">
+                <a16:creationId xmlns:a16="http://schemas.microsoft.com/office/drawing/2014/main" id="{CACB1440-4A6C-3A44-A0ED-21FD427A1456}"/>
+              </a:ext>
+            </a:extLst>
+          </p:cNvPr>
+          <p:cNvSpPr/>
+          <p:nvPr/>
+        </p:nvSpPr>
+        <p:spPr>
+          <a:xfrm rot="581235">
+            <a:off x="5155237" y="4405275"/>
+            <a:ext cx="1830809" cy="342613"/>
+          </a:xfrm>
+          <a:prstGeom prst="roundRect">
+            <a:avLst>
+              <a:gd name="adj" fmla="val 0"/>
+            </a:avLst>
+          </a:prstGeom>
+          <a:noFill/>
+          <a:ln w="12700">
+            <a:solidFill>
+              <a:schemeClr val="tx1"/>
+            </a:solidFill>
+            <a:prstDash val="solid"/>
+          </a:ln>
+        </p:spPr>
+        <p:style>
+          <a:lnRef idx="2">
+            <a:schemeClr val="accent1">
+              <a:shade val="50000"/>
+            </a:schemeClr>
+          </a:lnRef>
+          <a:fillRef idx="1">
+            <a:schemeClr val="accent1"/>
+          </a:fillRef>
+          <a:effectRef idx="0">
+            <a:schemeClr val="accent1"/>
+          </a:effectRef>
+          <a:fontRef idx="minor">
+            <a:schemeClr val="lt1"/>
+          </a:fontRef>
+        </p:style>
+        <p:txBody>
+          <a:bodyPr rtlCol="0" anchor="ctr"/>
+          <a:lstStyle/>
+          <a:p>
+            <a:pPr algn="ctr"/>
+            <a:endParaRPr lang="en-US"/>
+          </a:p>
+        </p:txBody>
+      </p:sp>
+      <p:cxnSp>
+        <p:nvCxnSpPr>
+          <p:cNvPr id="12" name="Curved Connector 11">
+            <a:extLst>
+              <a:ext uri="{FF2B5EF4-FFF2-40B4-BE49-F238E27FC236}">
+                <a16:creationId xmlns:a16="http://schemas.microsoft.com/office/drawing/2014/main" id="{3255FA70-1218-F748-B988-9027753A8EEC}"/>
+              </a:ext>
+            </a:extLst>
+          </p:cNvPr>
+          <p:cNvCxnSpPr>
+            <a:cxnSpLocks/>
+            <a:stCxn id="7" idx="2"/>
+          </p:cNvCxnSpPr>
+          <p:nvPr/>
+        </p:nvCxnSpPr>
+        <p:spPr>
+          <a:xfrm rot="16200000" flipH="1">
+            <a:off x="6354868" y="3501106"/>
+            <a:ext cx="461666" cy="686786"/>
+          </a:xfrm>
+          <a:prstGeom prst="curvedConnector2">
+            <a:avLst/>
+          </a:prstGeom>
+          <a:ln w="28575">
+            <a:solidFill>
+              <a:schemeClr val="tx1"/>
+            </a:solidFill>
+            <a:tailEnd type="triangle"/>
+          </a:ln>
+        </p:spPr>
+        <p:style>
+          <a:lnRef idx="1">
+            <a:schemeClr val="accent1"/>
+          </a:lnRef>
+          <a:fillRef idx="0">
+            <a:schemeClr val="accent1"/>
+          </a:fillRef>
+          <a:effectRef idx="0">
+            <a:schemeClr val="accent1"/>
+          </a:effectRef>
+          <a:fontRef idx="minor">
+            <a:schemeClr val="tx1"/>
+          </a:fontRef>
+        </p:style>
+      </p:cxnSp>
+    </p:spTree>
+    <p:extLst>
+      <p:ext uri="{BB962C8B-B14F-4D97-AF65-F5344CB8AC3E}">
+        <p14:creationId xmlns:p14="http://schemas.microsoft.com/office/powerpoint/2010/main" val="4205586611"/>
       </p:ext>
     </p:extLst>
   </p:cSld>

--- a/presentations/Updates 1-24-21.pptx
+++ b/presentations/Updates 1-24-21.pptx
@@ -4320,7 +4320,7 @@
           <a:p>
             <a:fld id="{8FB244FF-1FFB-514F-A5D9-580791D347E8}" type="datetimeFigureOut">
               <a:rPr lang="en-US" smtClean="0"/>
-              <a:t>4/12/21</a:t>
+              <a:t>4/16/21</a:t>
             </a:fld>
             <a:endParaRPr lang="en-US"/>
           </a:p>
@@ -5781,7 +5781,7 @@
           <a:p>
             <a:fld id="{8C0AA0B7-332D-774C-A1C2-95B9048EE1A4}" type="datetimeFigureOut">
               <a:rPr lang="en-US" smtClean="0"/>
-              <a:t>4/12/21</a:t>
+              <a:t>4/16/21</a:t>
             </a:fld>
             <a:endParaRPr lang="en-US"/>
           </a:p>
@@ -5979,7 +5979,7 @@
           <a:p>
             <a:fld id="{8C0AA0B7-332D-774C-A1C2-95B9048EE1A4}" type="datetimeFigureOut">
               <a:rPr lang="en-US" smtClean="0"/>
-              <a:t>4/12/21</a:t>
+              <a:t>4/16/21</a:t>
             </a:fld>
             <a:endParaRPr lang="en-US"/>
           </a:p>
@@ -6187,7 +6187,7 @@
           <a:p>
             <a:fld id="{8C0AA0B7-332D-774C-A1C2-95B9048EE1A4}" type="datetimeFigureOut">
               <a:rPr lang="en-US" smtClean="0"/>
-              <a:t>4/12/21</a:t>
+              <a:t>4/16/21</a:t>
             </a:fld>
             <a:endParaRPr lang="en-US"/>
           </a:p>
@@ -6385,7 +6385,7 @@
           <a:p>
             <a:fld id="{8C0AA0B7-332D-774C-A1C2-95B9048EE1A4}" type="datetimeFigureOut">
               <a:rPr lang="en-US" smtClean="0"/>
-              <a:t>4/12/21</a:t>
+              <a:t>4/16/21</a:t>
             </a:fld>
             <a:endParaRPr lang="en-US"/>
           </a:p>
@@ -6660,7 +6660,7 @@
           <a:p>
             <a:fld id="{8C0AA0B7-332D-774C-A1C2-95B9048EE1A4}" type="datetimeFigureOut">
               <a:rPr lang="en-US" smtClean="0"/>
-              <a:t>4/12/21</a:t>
+              <a:t>4/16/21</a:t>
             </a:fld>
             <a:endParaRPr lang="en-US"/>
           </a:p>
@@ -6925,7 +6925,7 @@
           <a:p>
             <a:fld id="{8C0AA0B7-332D-774C-A1C2-95B9048EE1A4}" type="datetimeFigureOut">
               <a:rPr lang="en-US" smtClean="0"/>
-              <a:t>4/12/21</a:t>
+              <a:t>4/16/21</a:t>
             </a:fld>
             <a:endParaRPr lang="en-US"/>
           </a:p>
@@ -7337,7 +7337,7 @@
           <a:p>
             <a:fld id="{8C0AA0B7-332D-774C-A1C2-95B9048EE1A4}" type="datetimeFigureOut">
               <a:rPr lang="en-US" smtClean="0"/>
-              <a:t>4/12/21</a:t>
+              <a:t>4/16/21</a:t>
             </a:fld>
             <a:endParaRPr lang="en-US"/>
           </a:p>
@@ -7478,7 +7478,7 @@
           <a:p>
             <a:fld id="{8C0AA0B7-332D-774C-A1C2-95B9048EE1A4}" type="datetimeFigureOut">
               <a:rPr lang="en-US" smtClean="0"/>
-              <a:t>4/12/21</a:t>
+              <a:t>4/16/21</a:t>
             </a:fld>
             <a:endParaRPr lang="en-US"/>
           </a:p>
@@ -7591,7 +7591,7 @@
           <a:p>
             <a:fld id="{8C0AA0B7-332D-774C-A1C2-95B9048EE1A4}" type="datetimeFigureOut">
               <a:rPr lang="en-US" smtClean="0"/>
-              <a:t>4/12/21</a:t>
+              <a:t>4/16/21</a:t>
             </a:fld>
             <a:endParaRPr lang="en-US"/>
           </a:p>
@@ -7902,7 +7902,7 @@
           <a:p>
             <a:fld id="{8C0AA0B7-332D-774C-A1C2-95B9048EE1A4}" type="datetimeFigureOut">
               <a:rPr lang="en-US" smtClean="0"/>
-              <a:t>4/12/21</a:t>
+              <a:t>4/16/21</a:t>
             </a:fld>
             <a:endParaRPr lang="en-US"/>
           </a:p>
@@ -8190,7 +8190,7 @@
           <a:p>
             <a:fld id="{8C0AA0B7-332D-774C-A1C2-95B9048EE1A4}" type="datetimeFigureOut">
               <a:rPr lang="en-US" smtClean="0"/>
-              <a:t>4/12/21</a:t>
+              <a:t>4/16/21</a:t>
             </a:fld>
             <a:endParaRPr lang="en-US"/>
           </a:p>
@@ -8431,7 +8431,7 @@
           <a:p>
             <a:fld id="{8C0AA0B7-332D-774C-A1C2-95B9048EE1A4}" type="datetimeFigureOut">
               <a:rPr lang="en-US" smtClean="0"/>
-              <a:t>4/12/21</a:t>
+              <a:t>4/16/21</a:t>
             </a:fld>
             <a:endParaRPr lang="en-US"/>
           </a:p>
@@ -38481,9 +38481,8 @@
         </p:nvPicPr>
         <p:blipFill>
           <a:blip r:embed="rId2"/>
-          <a:stretch>
-            <a:fillRect/>
-          </a:stretch>
+          <a:srcRect/>
+          <a:stretch/>
         </p:blipFill>
         <p:spPr>
           <a:xfrm>
@@ -38510,9 +38509,8 @@
         </p:nvPicPr>
         <p:blipFill>
           <a:blip r:embed="rId3"/>
-          <a:stretch>
-            <a:fillRect/>
-          </a:stretch>
+          <a:srcRect/>
+          <a:stretch/>
         </p:blipFill>
         <p:spPr>
           <a:xfrm>
